--- a/zeroth_review/pptx/zeroth_review.pptx
+++ b/zeroth_review/pptx/zeroth_review.pptx
@@ -5,7 +5,7 @@
     <p:sldMasterId id="2147483648" r:id="rId1"/>
   </p:sldMasterIdLst>
   <p:sldIdLst>
-    <p:sldId id="256" r:id="rId2"/>
+    <p:sldId id="265" r:id="rId2"/>
     <p:sldId id="257" r:id="rId3"/>
     <p:sldId id="258" r:id="rId4"/>
     <p:sldId id="259" r:id="rId5"/>
@@ -1543,7 +1543,7 @@
             <a:fld id="{1D8BD707-D9CF-40AE-B4C6-C98DA3205C09}" type="datetimeFigureOut">
               <a:rPr lang="en-US" smtClean="0"/>
               <a:pPr/>
-              <a:t>2/10/2025</a:t>
+              <a:t>2/15/2025</a:t>
             </a:fld>
             <a:endParaRPr lang="en-US"/>
           </a:p>
@@ -1708,7 +1708,7 @@
             <a:fld id="{1D8BD707-D9CF-40AE-B4C6-C98DA3205C09}" type="datetimeFigureOut">
               <a:rPr lang="en-US" smtClean="0"/>
               <a:pPr/>
-              <a:t>2/10/2025</a:t>
+              <a:t>2/15/2025</a:t>
             </a:fld>
             <a:endParaRPr lang="en-US"/>
           </a:p>
@@ -1883,7 +1883,7 @@
             <a:fld id="{1D8BD707-D9CF-40AE-B4C6-C98DA3205C09}" type="datetimeFigureOut">
               <a:rPr lang="en-US" smtClean="0"/>
               <a:pPr/>
-              <a:t>2/10/2025</a:t>
+              <a:t>2/15/2025</a:t>
             </a:fld>
             <a:endParaRPr lang="en-US"/>
           </a:p>
@@ -2048,7 +2048,7 @@
             <a:fld id="{1D8BD707-D9CF-40AE-B4C6-C98DA3205C09}" type="datetimeFigureOut">
               <a:rPr lang="en-US" smtClean="0"/>
               <a:pPr/>
-              <a:t>2/10/2025</a:t>
+              <a:t>2/15/2025</a:t>
             </a:fld>
             <a:endParaRPr lang="en-US"/>
           </a:p>
@@ -2290,7 +2290,7 @@
             <a:fld id="{1D8BD707-D9CF-40AE-B4C6-C98DA3205C09}" type="datetimeFigureOut">
               <a:rPr lang="en-US" smtClean="0"/>
               <a:pPr/>
-              <a:t>2/10/2025</a:t>
+              <a:t>2/15/2025</a:t>
             </a:fld>
             <a:endParaRPr lang="en-US"/>
           </a:p>
@@ -2572,7 +2572,7 @@
             <a:fld id="{1D8BD707-D9CF-40AE-B4C6-C98DA3205C09}" type="datetimeFigureOut">
               <a:rPr lang="en-US" smtClean="0"/>
               <a:pPr/>
-              <a:t>2/10/2025</a:t>
+              <a:t>2/15/2025</a:t>
             </a:fld>
             <a:endParaRPr lang="en-US"/>
           </a:p>
@@ -2988,7 +2988,7 @@
             <a:fld id="{1D8BD707-D9CF-40AE-B4C6-C98DA3205C09}" type="datetimeFigureOut">
               <a:rPr lang="en-US" smtClean="0"/>
               <a:pPr/>
-              <a:t>2/10/2025</a:t>
+              <a:t>2/15/2025</a:t>
             </a:fld>
             <a:endParaRPr lang="en-US"/>
           </a:p>
@@ -3102,7 +3102,7 @@
             <a:fld id="{1D8BD707-D9CF-40AE-B4C6-C98DA3205C09}" type="datetimeFigureOut">
               <a:rPr lang="en-US" smtClean="0"/>
               <a:pPr/>
-              <a:t>2/10/2025</a:t>
+              <a:t>2/15/2025</a:t>
             </a:fld>
             <a:endParaRPr lang="en-US"/>
           </a:p>
@@ -3194,7 +3194,7 @@
             <a:fld id="{1D8BD707-D9CF-40AE-B4C6-C98DA3205C09}" type="datetimeFigureOut">
               <a:rPr lang="en-US" smtClean="0"/>
               <a:pPr/>
-              <a:t>2/10/2025</a:t>
+              <a:t>2/15/2025</a:t>
             </a:fld>
             <a:endParaRPr lang="en-US"/>
           </a:p>
@@ -3466,7 +3466,7 @@
             <a:fld id="{1D8BD707-D9CF-40AE-B4C6-C98DA3205C09}" type="datetimeFigureOut">
               <a:rPr lang="en-US" smtClean="0"/>
               <a:pPr/>
-              <a:t>2/10/2025</a:t>
+              <a:t>2/15/2025</a:t>
             </a:fld>
             <a:endParaRPr lang="en-US"/>
           </a:p>
@@ -3715,7 +3715,7 @@
             <a:fld id="{1D8BD707-D9CF-40AE-B4C6-C98DA3205C09}" type="datetimeFigureOut">
               <a:rPr lang="en-US" smtClean="0"/>
               <a:pPr/>
-              <a:t>2/10/2025</a:t>
+              <a:t>2/15/2025</a:t>
             </a:fld>
             <a:endParaRPr lang="en-US"/>
           </a:p>
@@ -3923,7 +3923,7 @@
             <a:fld id="{1D8BD707-D9CF-40AE-B4C6-C98DA3205C09}" type="datetimeFigureOut">
               <a:rPr lang="en-US" smtClean="0"/>
               <a:pPr/>
-              <a:t>2/10/2025</a:t>
+              <a:t>2/15/2025</a:t>
             </a:fld>
             <a:endParaRPr lang="en-US"/>
           </a:p>
@@ -4282,7 +4282,13 @@
   <p:cSld>
     <p:spTree>
       <p:nvGrpSpPr>
-        <p:cNvPr id="1" name=""/>
+        <p:cNvPr id="1" name="">
+          <a:extLst>
+            <a:ext uri="{FF2B5EF4-FFF2-40B4-BE49-F238E27FC236}">
+              <a16:creationId xmlns:a16="http://schemas.microsoft.com/office/drawing/2014/main" id="{D815368F-72A3-4C3F-08E5-2BB61E122E2B}"/>
+            </a:ext>
+          </a:extLst>
+        </p:cNvPr>
         <p:cNvGrpSpPr/>
         <p:nvPr/>
       </p:nvGrpSpPr>
@@ -4296,7 +4302,13 @@
       </p:grpSpPr>
       <p:sp>
         <p:nvSpPr>
-          <p:cNvPr id="2" name="Freeform 2"/>
+          <p:cNvPr id="2" name="Freeform 2">
+            <a:extLst>
+              <a:ext uri="{FF2B5EF4-FFF2-40B4-BE49-F238E27FC236}">
+                <a16:creationId xmlns:a16="http://schemas.microsoft.com/office/drawing/2014/main" id="{896FAB9A-78D5-9F71-8534-B2C01FD647AC}"/>
+              </a:ext>
+            </a:extLst>
+          </p:cNvPr>
           <p:cNvSpPr/>
           <p:nvPr/>
         </p:nvSpPr>
@@ -4342,7 +4354,13 @@
       </p:sp>
       <p:sp>
         <p:nvSpPr>
-          <p:cNvPr id="3" name="Freeform 3"/>
+          <p:cNvPr id="3" name="Freeform 3">
+            <a:extLst>
+              <a:ext uri="{FF2B5EF4-FFF2-40B4-BE49-F238E27FC236}">
+                <a16:creationId xmlns:a16="http://schemas.microsoft.com/office/drawing/2014/main" id="{CE664CFF-5D68-68E2-9FBB-337814E8CD7C}"/>
+              </a:ext>
+            </a:extLst>
+          </p:cNvPr>
           <p:cNvSpPr/>
           <p:nvPr/>
         </p:nvSpPr>
@@ -4392,581 +4410,15 @@
           </a:blipFill>
         </p:spPr>
       </p:sp>
-      <p:graphicFrame>
-        <p:nvGraphicFramePr>
-          <p:cNvPr id="4" name="Table 4"/>
-          <p:cNvGraphicFramePr>
-            <a:graphicFrameLocks noGrp="1"/>
-          </p:cNvGraphicFramePr>
-          <p:nvPr/>
-        </p:nvGraphicFramePr>
-        <p:xfrm>
-          <a:off x="1028700" y="6838950"/>
-          <a:ext cx="5627608" cy="2419352"/>
-        </p:xfrm>
-        <a:graphic>
-          <a:graphicData uri="http://schemas.openxmlformats.org/drawingml/2006/table">
-            <a:tbl>
-              <a:tblPr/>
-              <a:tblGrid>
-                <a:gridCol w="3012186">
-                  <a:extLst>
-                    <a:ext uri="{9D8B030D-6E8A-4147-A177-3AD203B41FA5}">
-                      <a16:colId xmlns:a16="http://schemas.microsoft.com/office/drawing/2014/main" val="20000"/>
-                    </a:ext>
-                  </a:extLst>
-                </a:gridCol>
-                <a:gridCol w="2615422">
-                  <a:extLst>
-                    <a:ext uri="{9D8B030D-6E8A-4147-A177-3AD203B41FA5}">
-                      <a16:colId xmlns:a16="http://schemas.microsoft.com/office/drawing/2014/main" val="20001"/>
-                    </a:ext>
-                  </a:extLst>
-                </a:gridCol>
-              </a:tblGrid>
-              <a:tr h="604838">
-                <a:tc>
-                  <a:txBody>
-                    <a:bodyPr/>
-                    <a:lstStyle/>
-                    <a:p>
-                      <a:pPr algn="l">
-                        <a:lnSpc>
-                          <a:spcPts val="4800"/>
-                        </a:lnSpc>
-                        <a:defRPr/>
-                      </a:pPr>
-                      <a:r>
-                        <a:rPr lang="en-US" sz="2400" b="1">
-                          <a:solidFill>
-                            <a:srgbClr val="000000"/>
-                          </a:solidFill>
-                          <a:latin typeface="Now Bold"/>
-                          <a:ea typeface="Now Bold"/>
-                          <a:cs typeface="Now Bold"/>
-                          <a:sym typeface="Now Bold"/>
-                        </a:rPr>
-                        <a:t>Team Members:</a:t>
-                      </a:r>
-                      <a:endParaRPr lang="en-US" sz="1100"/>
-                    </a:p>
-                  </a:txBody>
-                  <a:tcPr marL="0" marR="0" marT="0" marB="0" anchor="ctr">
-                    <a:lnL w="0" cap="flat" cmpd="sng" algn="ctr">
-                      <a:solidFill>
-                        <a:srgbClr val="000000"/>
-                      </a:solidFill>
-                      <a:prstDash val="solid"/>
-                      <a:round/>
-                      <a:headEnd type="none" w="med" len="med"/>
-                      <a:tailEnd type="none" w="med" len="med"/>
-                    </a:lnL>
-                    <a:lnR w="0" cap="flat" cmpd="sng" algn="ctr">
-                      <a:solidFill>
-                        <a:srgbClr val="000000"/>
-                      </a:solidFill>
-                      <a:prstDash val="solid"/>
-                      <a:round/>
-                      <a:headEnd type="none" w="med" len="med"/>
-                      <a:tailEnd type="none" w="med" len="med"/>
-                    </a:lnR>
-                    <a:lnT w="0" cap="flat" cmpd="sng" algn="ctr">
-                      <a:solidFill>
-                        <a:srgbClr val="000000"/>
-                      </a:solidFill>
-                      <a:prstDash val="solid"/>
-                      <a:round/>
-                      <a:headEnd type="none" w="med" len="med"/>
-                      <a:tailEnd type="none" w="med" len="med"/>
-                    </a:lnT>
-                    <a:lnB w="0" cap="flat" cmpd="sng" algn="ctr">
-                      <a:solidFill>
-                        <a:srgbClr val="000000"/>
-                      </a:solidFill>
-                      <a:prstDash val="solid"/>
-                      <a:round/>
-                      <a:headEnd type="none" w="med" len="med"/>
-                      <a:tailEnd type="none" w="med" len="med"/>
-                    </a:lnB>
-                  </a:tcPr>
-                </a:tc>
-                <a:tc>
-                  <a:txBody>
-                    <a:bodyPr/>
-                    <a:lstStyle/>
-                    <a:p>
-                      <a:pPr algn="l">
-                        <a:lnSpc>
-                          <a:spcPts val="4800"/>
-                        </a:lnSpc>
-                        <a:defRPr/>
-                      </a:pPr>
-                      <a:endParaRPr lang="en-US" sz="1100"/>
-                    </a:p>
-                  </a:txBody>
-                  <a:tcPr marL="0" marR="0" marT="0" marB="0" anchor="ctr">
-                    <a:lnL w="0" cap="flat" cmpd="sng" algn="ctr">
-                      <a:solidFill>
-                        <a:srgbClr val="000000"/>
-                      </a:solidFill>
-                      <a:prstDash val="solid"/>
-                      <a:round/>
-                      <a:headEnd type="none" w="med" len="med"/>
-                      <a:tailEnd type="none" w="med" len="med"/>
-                    </a:lnL>
-                    <a:lnR w="0" cap="flat" cmpd="sng" algn="ctr">
-                      <a:solidFill>
-                        <a:srgbClr val="000000"/>
-                      </a:solidFill>
-                      <a:prstDash val="solid"/>
-                      <a:round/>
-                      <a:headEnd type="none" w="med" len="med"/>
-                      <a:tailEnd type="none" w="med" len="med"/>
-                    </a:lnR>
-                    <a:lnT w="0" cap="flat" cmpd="sng" algn="ctr">
-                      <a:solidFill>
-                        <a:srgbClr val="000000"/>
-                      </a:solidFill>
-                      <a:prstDash val="solid"/>
-                      <a:round/>
-                      <a:headEnd type="none" w="med" len="med"/>
-                      <a:tailEnd type="none" w="med" len="med"/>
-                    </a:lnT>
-                    <a:lnB w="0" cap="flat" cmpd="sng" algn="ctr">
-                      <a:solidFill>
-                        <a:srgbClr val="000000"/>
-                      </a:solidFill>
-                      <a:prstDash val="solid"/>
-                      <a:round/>
-                      <a:headEnd type="none" w="med" len="med"/>
-                      <a:tailEnd type="none" w="med" len="med"/>
-                    </a:lnB>
-                  </a:tcPr>
-                </a:tc>
-                <a:extLst>
-                  <a:ext uri="{0D108BD9-81ED-4DB2-BD59-A6C34878D82A}">
-                    <a16:rowId xmlns:a16="http://schemas.microsoft.com/office/drawing/2014/main" val="10000"/>
-                  </a:ext>
-                </a:extLst>
-              </a:tr>
-              <a:tr h="604838">
-                <a:tc>
-                  <a:txBody>
-                    <a:bodyPr/>
-                    <a:lstStyle/>
-                    <a:p>
-                      <a:pPr algn="l">
-                        <a:lnSpc>
-                          <a:spcPts val="4800"/>
-                        </a:lnSpc>
-                        <a:defRPr/>
-                      </a:pPr>
-                      <a:r>
-                        <a:rPr lang="en-US" sz="2400">
-                          <a:solidFill>
-                            <a:srgbClr val="000000"/>
-                          </a:solidFill>
-                          <a:latin typeface="Now"/>
-                          <a:ea typeface="Now"/>
-                          <a:cs typeface="Now"/>
-                          <a:sym typeface="Now"/>
-                        </a:rPr>
-                        <a:t>Charankumar E G D</a:t>
-                      </a:r>
-                      <a:endParaRPr lang="en-US" sz="1100"/>
-                    </a:p>
-                  </a:txBody>
-                  <a:tcPr marL="0" marR="0" marT="0" marB="0" anchor="ctr">
-                    <a:lnL w="0" cap="flat" cmpd="sng" algn="ctr">
-                      <a:solidFill>
-                        <a:srgbClr val="000000"/>
-                      </a:solidFill>
-                      <a:prstDash val="solid"/>
-                      <a:round/>
-                      <a:headEnd type="none" w="med" len="med"/>
-                      <a:tailEnd type="none" w="med" len="med"/>
-                    </a:lnL>
-                    <a:lnR w="0" cap="flat" cmpd="sng" algn="ctr">
-                      <a:solidFill>
-                        <a:srgbClr val="000000"/>
-                      </a:solidFill>
-                      <a:prstDash val="solid"/>
-                      <a:round/>
-                      <a:headEnd type="none" w="med" len="med"/>
-                      <a:tailEnd type="none" w="med" len="med"/>
-                    </a:lnR>
-                    <a:lnT w="0" cap="flat" cmpd="sng" algn="ctr">
-                      <a:solidFill>
-                        <a:srgbClr val="000000"/>
-                      </a:solidFill>
-                      <a:prstDash val="solid"/>
-                      <a:round/>
-                      <a:headEnd type="none" w="med" len="med"/>
-                      <a:tailEnd type="none" w="med" len="med"/>
-                    </a:lnT>
-                    <a:lnB w="0" cap="flat" cmpd="sng" algn="ctr">
-                      <a:solidFill>
-                        <a:srgbClr val="000000"/>
-                      </a:solidFill>
-                      <a:prstDash val="solid"/>
-                      <a:round/>
-                      <a:headEnd type="none" w="med" len="med"/>
-                      <a:tailEnd type="none" w="med" len="med"/>
-                    </a:lnB>
-                  </a:tcPr>
-                </a:tc>
-                <a:tc>
-                  <a:txBody>
-                    <a:bodyPr/>
-                    <a:lstStyle/>
-                    <a:p>
-                      <a:pPr algn="l">
-                        <a:lnSpc>
-                          <a:spcPts val="4800"/>
-                        </a:lnSpc>
-                        <a:defRPr/>
-                      </a:pPr>
-                      <a:r>
-                        <a:rPr lang="en-US" sz="2400">
-                          <a:solidFill>
-                            <a:srgbClr val="000000"/>
-                          </a:solidFill>
-                          <a:latin typeface="Now"/>
-                          <a:ea typeface="Now"/>
-                          <a:cs typeface="Now"/>
-                          <a:sym typeface="Now"/>
-                        </a:rPr>
-                        <a:t>  [921321205029]</a:t>
-                      </a:r>
-                      <a:endParaRPr lang="en-US" sz="1100"/>
-                    </a:p>
-                  </a:txBody>
-                  <a:tcPr marL="0" marR="0" marT="0" marB="0" anchor="ctr">
-                    <a:lnL w="0" cap="flat" cmpd="sng" algn="ctr">
-                      <a:solidFill>
-                        <a:srgbClr val="000000"/>
-                      </a:solidFill>
-                      <a:prstDash val="solid"/>
-                      <a:round/>
-                      <a:headEnd type="none" w="med" len="med"/>
-                      <a:tailEnd type="none" w="med" len="med"/>
-                    </a:lnL>
-                    <a:lnR w="0" cap="flat" cmpd="sng" algn="ctr">
-                      <a:solidFill>
-                        <a:srgbClr val="000000"/>
-                      </a:solidFill>
-                      <a:prstDash val="solid"/>
-                      <a:round/>
-                      <a:headEnd type="none" w="med" len="med"/>
-                      <a:tailEnd type="none" w="med" len="med"/>
-                    </a:lnR>
-                    <a:lnT w="0" cap="flat" cmpd="sng" algn="ctr">
-                      <a:solidFill>
-                        <a:srgbClr val="000000"/>
-                      </a:solidFill>
-                      <a:prstDash val="solid"/>
-                      <a:round/>
-                      <a:headEnd type="none" w="med" len="med"/>
-                      <a:tailEnd type="none" w="med" len="med"/>
-                    </a:lnT>
-                    <a:lnB w="0" cap="flat" cmpd="sng" algn="ctr">
-                      <a:solidFill>
-                        <a:srgbClr val="000000"/>
-                      </a:solidFill>
-                      <a:prstDash val="solid"/>
-                      <a:round/>
-                      <a:headEnd type="none" w="med" len="med"/>
-                      <a:tailEnd type="none" w="med" len="med"/>
-                    </a:lnB>
-                  </a:tcPr>
-                </a:tc>
-                <a:extLst>
-                  <a:ext uri="{0D108BD9-81ED-4DB2-BD59-A6C34878D82A}">
-                    <a16:rowId xmlns:a16="http://schemas.microsoft.com/office/drawing/2014/main" val="10001"/>
-                  </a:ext>
-                </a:extLst>
-              </a:tr>
-              <a:tr h="604838">
-                <a:tc>
-                  <a:txBody>
-                    <a:bodyPr/>
-                    <a:lstStyle/>
-                    <a:p>
-                      <a:pPr algn="l">
-                        <a:lnSpc>
-                          <a:spcPts val="4800"/>
-                        </a:lnSpc>
-                        <a:defRPr/>
-                      </a:pPr>
-                      <a:r>
-                        <a:rPr lang="en-US" sz="2400">
-                          <a:solidFill>
-                            <a:srgbClr val="000000"/>
-                          </a:solidFill>
-                          <a:latin typeface="Now"/>
-                          <a:ea typeface="Now"/>
-                          <a:cs typeface="Now"/>
-                          <a:sym typeface="Now"/>
-                        </a:rPr>
-                        <a:t>Arunprasad S</a:t>
-                      </a:r>
-                      <a:endParaRPr lang="en-US" sz="1100"/>
-                    </a:p>
-                  </a:txBody>
-                  <a:tcPr marL="0" marR="0" marT="0" marB="0" anchor="ctr">
-                    <a:lnL w="0" cap="flat" cmpd="sng" algn="ctr">
-                      <a:solidFill>
-                        <a:srgbClr val="000000"/>
-                      </a:solidFill>
-                      <a:prstDash val="solid"/>
-                      <a:round/>
-                      <a:headEnd type="none" w="med" len="med"/>
-                      <a:tailEnd type="none" w="med" len="med"/>
-                    </a:lnL>
-                    <a:lnR w="0" cap="flat" cmpd="sng" algn="ctr">
-                      <a:solidFill>
-                        <a:srgbClr val="000000"/>
-                      </a:solidFill>
-                      <a:prstDash val="solid"/>
-                      <a:round/>
-                      <a:headEnd type="none" w="med" len="med"/>
-                      <a:tailEnd type="none" w="med" len="med"/>
-                    </a:lnR>
-                    <a:lnT w="0" cap="flat" cmpd="sng" algn="ctr">
-                      <a:solidFill>
-                        <a:srgbClr val="000000"/>
-                      </a:solidFill>
-                      <a:prstDash val="solid"/>
-                      <a:round/>
-                      <a:headEnd type="none" w="med" len="med"/>
-                      <a:tailEnd type="none" w="med" len="med"/>
-                    </a:lnT>
-                    <a:lnB w="0" cap="flat" cmpd="sng" algn="ctr">
-                      <a:solidFill>
-                        <a:srgbClr val="000000"/>
-                      </a:solidFill>
-                      <a:prstDash val="solid"/>
-                      <a:round/>
-                      <a:headEnd type="none" w="med" len="med"/>
-                      <a:tailEnd type="none" w="med" len="med"/>
-                    </a:lnB>
-                  </a:tcPr>
-                </a:tc>
-                <a:tc>
-                  <a:txBody>
-                    <a:bodyPr/>
-                    <a:lstStyle/>
-                    <a:p>
-                      <a:pPr algn="l">
-                        <a:lnSpc>
-                          <a:spcPts val="4800"/>
-                        </a:lnSpc>
-                        <a:defRPr/>
-                      </a:pPr>
-                      <a:r>
-                        <a:rPr lang="en-US" sz="2400">
-                          <a:solidFill>
-                            <a:srgbClr val="000000"/>
-                          </a:solidFill>
-                          <a:latin typeface="Now"/>
-                          <a:ea typeface="Now"/>
-                          <a:cs typeface="Now"/>
-                          <a:sym typeface="Now"/>
-                        </a:rPr>
-                        <a:t>  [921321205015]</a:t>
-                      </a:r>
-                      <a:endParaRPr lang="en-US" sz="1100"/>
-                    </a:p>
-                  </a:txBody>
-                  <a:tcPr marL="0" marR="0" marT="0" marB="0" anchor="ctr">
-                    <a:lnL w="0" cap="flat" cmpd="sng" algn="ctr">
-                      <a:solidFill>
-                        <a:srgbClr val="000000"/>
-                      </a:solidFill>
-                      <a:prstDash val="solid"/>
-                      <a:round/>
-                      <a:headEnd type="none" w="med" len="med"/>
-                      <a:tailEnd type="none" w="med" len="med"/>
-                    </a:lnL>
-                    <a:lnR w="0" cap="flat" cmpd="sng" algn="ctr">
-                      <a:solidFill>
-                        <a:srgbClr val="000000"/>
-                      </a:solidFill>
-                      <a:prstDash val="solid"/>
-                      <a:round/>
-                      <a:headEnd type="none" w="med" len="med"/>
-                      <a:tailEnd type="none" w="med" len="med"/>
-                    </a:lnR>
-                    <a:lnT w="0" cap="flat" cmpd="sng" algn="ctr">
-                      <a:solidFill>
-                        <a:srgbClr val="000000"/>
-                      </a:solidFill>
-                      <a:prstDash val="solid"/>
-                      <a:round/>
-                      <a:headEnd type="none" w="med" len="med"/>
-                      <a:tailEnd type="none" w="med" len="med"/>
-                    </a:lnT>
-                    <a:lnB w="0" cap="flat" cmpd="sng" algn="ctr">
-                      <a:solidFill>
-                        <a:srgbClr val="000000"/>
-                      </a:solidFill>
-                      <a:prstDash val="solid"/>
-                      <a:round/>
-                      <a:headEnd type="none" w="med" len="med"/>
-                      <a:tailEnd type="none" w="med" len="med"/>
-                    </a:lnB>
-                  </a:tcPr>
-                </a:tc>
-                <a:extLst>
-                  <a:ext uri="{0D108BD9-81ED-4DB2-BD59-A6C34878D82A}">
-                    <a16:rowId xmlns:a16="http://schemas.microsoft.com/office/drawing/2014/main" val="10002"/>
-                  </a:ext>
-                </a:extLst>
-              </a:tr>
-              <a:tr h="604838">
-                <a:tc>
-                  <a:txBody>
-                    <a:bodyPr/>
-                    <a:lstStyle/>
-                    <a:p>
-                      <a:pPr algn="l">
-                        <a:lnSpc>
-                          <a:spcPts val="4800"/>
-                        </a:lnSpc>
-                        <a:defRPr/>
-                      </a:pPr>
-                      <a:r>
-                        <a:rPr lang="en-US" sz="2400">
-                          <a:solidFill>
-                            <a:srgbClr val="000000"/>
-                          </a:solidFill>
-                          <a:latin typeface="Now"/>
-                          <a:ea typeface="Now"/>
-                          <a:cs typeface="Now"/>
-                          <a:sym typeface="Now"/>
-                        </a:rPr>
-                        <a:t>Dharani Dharan R</a:t>
-                      </a:r>
-                      <a:endParaRPr lang="en-US" sz="1100"/>
-                    </a:p>
-                  </a:txBody>
-                  <a:tcPr marL="0" marR="0" marT="0" marB="0" anchor="ctr">
-                    <a:lnL w="0" cap="flat" cmpd="sng" algn="ctr">
-                      <a:solidFill>
-                        <a:srgbClr val="000000"/>
-                      </a:solidFill>
-                      <a:prstDash val="solid"/>
-                      <a:round/>
-                      <a:headEnd type="none" w="med" len="med"/>
-                      <a:tailEnd type="none" w="med" len="med"/>
-                    </a:lnL>
-                    <a:lnR w="0" cap="flat" cmpd="sng" algn="ctr">
-                      <a:solidFill>
-                        <a:srgbClr val="000000"/>
-                      </a:solidFill>
-                      <a:prstDash val="solid"/>
-                      <a:round/>
-                      <a:headEnd type="none" w="med" len="med"/>
-                      <a:tailEnd type="none" w="med" len="med"/>
-                    </a:lnR>
-                    <a:lnT w="0" cap="flat" cmpd="sng" algn="ctr">
-                      <a:solidFill>
-                        <a:srgbClr val="000000"/>
-                      </a:solidFill>
-                      <a:prstDash val="solid"/>
-                      <a:round/>
-                      <a:headEnd type="none" w="med" len="med"/>
-                      <a:tailEnd type="none" w="med" len="med"/>
-                    </a:lnT>
-                    <a:lnB w="0" cap="flat" cmpd="sng" algn="ctr">
-                      <a:solidFill>
-                        <a:srgbClr val="000000"/>
-                      </a:solidFill>
-                      <a:prstDash val="solid"/>
-                      <a:round/>
-                      <a:headEnd type="none" w="med" len="med"/>
-                      <a:tailEnd type="none" w="med" len="med"/>
-                    </a:lnB>
-                  </a:tcPr>
-                </a:tc>
-                <a:tc>
-                  <a:txBody>
-                    <a:bodyPr/>
-                    <a:lstStyle/>
-                    <a:p>
-                      <a:pPr algn="l">
-                        <a:lnSpc>
-                          <a:spcPts val="4800"/>
-                        </a:lnSpc>
-                        <a:defRPr/>
-                      </a:pPr>
-                      <a:r>
-                        <a:rPr lang="en-US" sz="2400">
-                          <a:solidFill>
-                            <a:srgbClr val="000000"/>
-                          </a:solidFill>
-                          <a:latin typeface="Now"/>
-                          <a:ea typeface="Now"/>
-                          <a:cs typeface="Now"/>
-                          <a:sym typeface="Now"/>
-                        </a:rPr>
-                        <a:t>  [921321205032]</a:t>
-                      </a:r>
-                      <a:endParaRPr lang="en-US" sz="1100"/>
-                    </a:p>
-                  </a:txBody>
-                  <a:tcPr marL="0" marR="0" marT="0" marB="0" anchor="ctr">
-                    <a:lnL w="0" cap="flat" cmpd="sng" algn="ctr">
-                      <a:solidFill>
-                        <a:srgbClr val="000000"/>
-                      </a:solidFill>
-                      <a:prstDash val="solid"/>
-                      <a:round/>
-                      <a:headEnd type="none" w="med" len="med"/>
-                      <a:tailEnd type="none" w="med" len="med"/>
-                    </a:lnL>
-                    <a:lnR w="0" cap="flat" cmpd="sng" algn="ctr">
-                      <a:solidFill>
-                        <a:srgbClr val="000000"/>
-                      </a:solidFill>
-                      <a:prstDash val="solid"/>
-                      <a:round/>
-                      <a:headEnd type="none" w="med" len="med"/>
-                      <a:tailEnd type="none" w="med" len="med"/>
-                    </a:lnR>
-                    <a:lnT w="0" cap="flat" cmpd="sng" algn="ctr">
-                      <a:solidFill>
-                        <a:srgbClr val="000000"/>
-                      </a:solidFill>
-                      <a:prstDash val="solid"/>
-                      <a:round/>
-                      <a:headEnd type="none" w="med" len="med"/>
-                      <a:tailEnd type="none" w="med" len="med"/>
-                    </a:lnT>
-                    <a:lnB w="0" cap="flat" cmpd="sng" algn="ctr">
-                      <a:solidFill>
-                        <a:srgbClr val="000000"/>
-                      </a:solidFill>
-                      <a:prstDash val="solid"/>
-                      <a:round/>
-                      <a:headEnd type="none" w="med" len="med"/>
-                      <a:tailEnd type="none" w="med" len="med"/>
-                    </a:lnB>
-                  </a:tcPr>
-                </a:tc>
-                <a:extLst>
-                  <a:ext uri="{0D108BD9-81ED-4DB2-BD59-A6C34878D82A}">
-                    <a16:rowId xmlns:a16="http://schemas.microsoft.com/office/drawing/2014/main" val="10003"/>
-                  </a:ext>
-                </a:extLst>
-              </a:tr>
-            </a:tbl>
-          </a:graphicData>
-        </a:graphic>
-      </p:graphicFrame>
-      <p:sp>
-        <p:nvSpPr>
-          <p:cNvPr id="5" name="Freeform 5"/>
+      <p:sp>
+        <p:nvSpPr>
+          <p:cNvPr id="5" name="Freeform 5">
+            <a:extLst>
+              <a:ext uri="{FF2B5EF4-FFF2-40B4-BE49-F238E27FC236}">
+                <a16:creationId xmlns:a16="http://schemas.microsoft.com/office/drawing/2014/main" id="{AEA92FA0-34EB-6E9A-421C-FB54AA44F228}"/>
+              </a:ext>
+            </a:extLst>
+          </p:cNvPr>
           <p:cNvSpPr/>
           <p:nvPr/>
         </p:nvSpPr>
@@ -5018,7 +4470,13 @@
       </p:sp>
       <p:sp>
         <p:nvSpPr>
-          <p:cNvPr id="6" name="TextBox 6"/>
+          <p:cNvPr id="6" name="TextBox 6">
+            <a:extLst>
+              <a:ext uri="{FF2B5EF4-FFF2-40B4-BE49-F238E27FC236}">
+                <a16:creationId xmlns:a16="http://schemas.microsoft.com/office/drawing/2014/main" id="{017A38FB-CC94-C20D-99B7-BEF4679622D0}"/>
+              </a:ext>
+            </a:extLst>
+          </p:cNvPr>
           <p:cNvSpPr txBox="1"/>
           <p:nvPr/>
         </p:nvSpPr>
@@ -5059,7 +4517,13 @@
       </p:sp>
       <p:sp>
         <p:nvSpPr>
-          <p:cNvPr id="7" name="TextBox 7"/>
+          <p:cNvPr id="7" name="TextBox 7">
+            <a:extLst>
+              <a:ext uri="{FF2B5EF4-FFF2-40B4-BE49-F238E27FC236}">
+                <a16:creationId xmlns:a16="http://schemas.microsoft.com/office/drawing/2014/main" id="{79F93951-E8FC-4A6A-ADA7-494721BA612F}"/>
+              </a:ext>
+            </a:extLst>
+          </p:cNvPr>
           <p:cNvSpPr txBox="1"/>
           <p:nvPr/>
         </p:nvSpPr>
@@ -5138,7 +4602,13 @@
       </p:sp>
       <p:sp>
         <p:nvSpPr>
-          <p:cNvPr id="8" name="TextBox 8"/>
+          <p:cNvPr id="8" name="TextBox 8">
+            <a:extLst>
+              <a:ext uri="{FF2B5EF4-FFF2-40B4-BE49-F238E27FC236}">
+                <a16:creationId xmlns:a16="http://schemas.microsoft.com/office/drawing/2014/main" id="{6D10144B-7032-C94B-0754-3A4DF7652433}"/>
+              </a:ext>
+            </a:extLst>
+          </p:cNvPr>
           <p:cNvSpPr txBox="1"/>
           <p:nvPr/>
         </p:nvSpPr>
@@ -5180,7 +4650,116 @@
           </a:p>
         </p:txBody>
       </p:sp>
+      <p:sp>
+        <p:nvSpPr>
+          <p:cNvPr id="9" name="TextBox 7">
+            <a:extLst>
+              <a:ext uri="{FF2B5EF4-FFF2-40B4-BE49-F238E27FC236}">
+                <a16:creationId xmlns:a16="http://schemas.microsoft.com/office/drawing/2014/main" id="{612FEEE7-D48C-07CE-F395-B3988293C3DB}"/>
+              </a:ext>
+            </a:extLst>
+          </p:cNvPr>
+          <p:cNvSpPr txBox="1"/>
+          <p:nvPr/>
+        </p:nvSpPr>
+        <p:spPr>
+          <a:xfrm>
+            <a:off x="1032449" y="6859182"/>
+            <a:ext cx="6485811" cy="2399118"/>
+          </a:xfrm>
+          <a:prstGeom prst="rect">
+            <a:avLst/>
+          </a:prstGeom>
+        </p:spPr>
+        <p:txBody>
+          <a:bodyPr lIns="0" tIns="0" rIns="0" bIns="0" rtlCol="0" anchor="t">
+            <a:spAutoFit/>
+          </a:bodyPr>
+          <a:lstStyle/>
+          <a:p>
+            <a:pPr algn="l">
+              <a:lnSpc>
+                <a:spcPts val="4800"/>
+              </a:lnSpc>
+            </a:pPr>
+            <a:r>
+              <a:rPr lang="en-US" sz="2400" b="1" dirty="0">
+                <a:solidFill>
+                  <a:srgbClr val="000000"/>
+                </a:solidFill>
+                <a:latin typeface="Now Heavy"/>
+                <a:ea typeface="Now Heavy"/>
+                <a:cs typeface="Now Heavy"/>
+                <a:sym typeface="Now Heavy"/>
+              </a:rPr>
+              <a:t>Team Members:</a:t>
+            </a:r>
+          </a:p>
+          <a:p>
+            <a:pPr algn="l">
+              <a:lnSpc>
+                <a:spcPts val="4800"/>
+              </a:lnSpc>
+            </a:pPr>
+            <a:r>
+              <a:rPr lang="en-US" sz="2400" dirty="0">
+                <a:solidFill>
+                  <a:srgbClr val="000000"/>
+                </a:solidFill>
+                <a:latin typeface="Now"/>
+                <a:ea typeface="Now"/>
+                <a:cs typeface="Now"/>
+                <a:sym typeface="Now"/>
+              </a:rPr>
+              <a:t>Charankumar E G D [921321205029]</a:t>
+            </a:r>
+          </a:p>
+          <a:p>
+            <a:pPr algn="l">
+              <a:lnSpc>
+                <a:spcPts val="4800"/>
+              </a:lnSpc>
+            </a:pPr>
+            <a:r>
+              <a:rPr lang="en-US" sz="2400" dirty="0">
+                <a:solidFill>
+                  <a:srgbClr val="000000"/>
+                </a:solidFill>
+                <a:latin typeface="Now"/>
+                <a:ea typeface="Now"/>
+                <a:cs typeface="Now"/>
+                <a:sym typeface="Now"/>
+              </a:rPr>
+              <a:t>Arunprasad S    	   [921321205015]</a:t>
+            </a:r>
+          </a:p>
+          <a:p>
+            <a:pPr algn="l">
+              <a:lnSpc>
+                <a:spcPts val="4800"/>
+              </a:lnSpc>
+            </a:pPr>
+            <a:r>
+              <a:rPr lang="en-US" sz="2400" dirty="0">
+                <a:solidFill>
+                  <a:srgbClr val="000000"/>
+                </a:solidFill>
+                <a:latin typeface="Now"/>
+                <a:ea typeface="Now"/>
+                <a:cs typeface="Now"/>
+                <a:sym typeface="Now"/>
+              </a:rPr>
+              <a:t>Dharani Dharan R 	   [921321205032]</a:t>
+            </a:r>
+          </a:p>
+        </p:txBody>
+      </p:sp>
     </p:spTree>
+    <p:extLst>
+      <p:ext uri="{BB962C8B-B14F-4D97-AF65-F5344CB8AC3E}">
+        <p14:creationId xmlns:p14="http://schemas.microsoft.com/office/powerpoint/2010/main" val="2142817174"/>
+      </p:ext>
+    </p:extLst>
   </p:cSld>
   <p:clrMapOvr>
     <a:masterClrMapping/>
@@ -6346,7 +5925,7 @@
           <p:nvPr>
             <p:extLst>
               <p:ext uri="{D42A27DB-BD31-4B8C-83A1-F6EECF244321}">
-                <p14:modId xmlns:p14="http://schemas.microsoft.com/office/powerpoint/2010/main" val="281687511"/>
+                <p14:modId xmlns:p14="http://schemas.microsoft.com/office/powerpoint/2010/main" val="2701430666"/>
               </p:ext>
             </p:extLst>
           </p:nvPr>
@@ -6409,7 +5988,7 @@
                         <a:defRPr/>
                       </a:pPr>
                       <a:r>
-                        <a:rPr lang="en-US" sz="2000" b="1">
+                        <a:rPr lang="en-US" sz="2000" b="1" dirty="0">
                           <a:solidFill>
                             <a:srgbClr val="FFFFFF"/>
                           </a:solidFill>
@@ -6420,7 +5999,7 @@
                         </a:rPr>
                         <a:t>Title</a:t>
                       </a:r>
-                      <a:endParaRPr lang="en-US" sz="1100"/>
+                      <a:endParaRPr lang="en-US" sz="1100" dirty="0"/>
                     </a:p>
                   </a:txBody>
                   <a:tcPr marL="95250" marR="95250" marT="95250" marB="95250" anchor="ctr">
@@ -6756,7 +6335,7 @@
                         <a:defRPr/>
                       </a:pPr>
                       <a:r>
-                        <a:rPr lang="en-US" sz="1599">
+                        <a:rPr lang="en-US" sz="1599" dirty="0">
                           <a:solidFill>
                             <a:srgbClr val="000000"/>
                           </a:solidFill>
@@ -6767,7 +6346,7 @@
                         </a:rPr>
                         <a:t>Document Image Analysis for Text Extraction and Translation</a:t>
                       </a:r>
-                      <a:endParaRPr lang="en-US" sz="1100"/>
+                      <a:endParaRPr lang="en-US" sz="1100" dirty="0"/>
                     </a:p>
                   </a:txBody>
                   <a:tcPr marL="95250" marR="95250" marT="95250" marB="95250" anchor="ctr">
@@ -6824,7 +6403,7 @@
                         <a:defRPr/>
                       </a:pPr>
                       <a:r>
-                        <a:rPr lang="en-US" sz="1599">
+                        <a:rPr lang="en-US" sz="1599" dirty="0">
                           <a:solidFill>
                             <a:srgbClr val="000000"/>
                           </a:solidFill>
@@ -6833,9 +6412,81 @@
                           <a:cs typeface="Now"/>
                           <a:sym typeface="Now"/>
                         </a:rPr>
-                        <a:t>R. Thendral, G. Sudharsan, M. Subasri, M. K. Ragul - 2024</a:t>
+                        <a:t>R. </a:t>
                       </a:r>
-                      <a:endParaRPr lang="en-US" sz="1100"/>
+                      <a:r>
+                        <a:rPr lang="en-US" sz="1599" dirty="0" err="1">
+                          <a:solidFill>
+                            <a:srgbClr val="000000"/>
+                          </a:solidFill>
+                          <a:latin typeface="Now"/>
+                          <a:ea typeface="Now"/>
+                          <a:cs typeface="Now"/>
+                          <a:sym typeface="Now"/>
+                        </a:rPr>
+                        <a:t>Thendral</a:t>
+                      </a:r>
+                      <a:r>
+                        <a:rPr lang="en-US" sz="1599" dirty="0">
+                          <a:solidFill>
+                            <a:srgbClr val="000000"/>
+                          </a:solidFill>
+                          <a:latin typeface="Now"/>
+                          <a:ea typeface="Now"/>
+                          <a:cs typeface="Now"/>
+                          <a:sym typeface="Now"/>
+                        </a:rPr>
+                        <a:t>, G. </a:t>
+                      </a:r>
+                      <a:r>
+                        <a:rPr lang="en-US" sz="1599" dirty="0" err="1">
+                          <a:solidFill>
+                            <a:srgbClr val="000000"/>
+                          </a:solidFill>
+                          <a:latin typeface="Now"/>
+                          <a:ea typeface="Now"/>
+                          <a:cs typeface="Now"/>
+                          <a:sym typeface="Now"/>
+                        </a:rPr>
+                        <a:t>Sudharsan</a:t>
+                      </a:r>
+                      <a:r>
+                        <a:rPr lang="en-US" sz="1599" dirty="0">
+                          <a:solidFill>
+                            <a:srgbClr val="000000"/>
+                          </a:solidFill>
+                          <a:latin typeface="Now"/>
+                          <a:ea typeface="Now"/>
+                          <a:cs typeface="Now"/>
+                          <a:sym typeface="Now"/>
+                        </a:rPr>
+                        <a:t>, M. </a:t>
+                      </a:r>
+                      <a:r>
+                        <a:rPr lang="en-US" sz="1599" dirty="0" err="1">
+                          <a:solidFill>
+                            <a:srgbClr val="000000"/>
+                          </a:solidFill>
+                          <a:latin typeface="Now"/>
+                          <a:ea typeface="Now"/>
+                          <a:cs typeface="Now"/>
+                          <a:sym typeface="Now"/>
+                        </a:rPr>
+                        <a:t>Subasri</a:t>
+                      </a:r>
+                      <a:r>
+                        <a:rPr lang="en-US" sz="1599" dirty="0">
+                          <a:solidFill>
+                            <a:srgbClr val="000000"/>
+                          </a:solidFill>
+                          <a:latin typeface="Now"/>
+                          <a:ea typeface="Now"/>
+                          <a:cs typeface="Now"/>
+                          <a:sym typeface="Now"/>
+                        </a:rPr>
+                        <a:t>, M. K. Ragul - 2024</a:t>
+                      </a:r>
+                      <a:endParaRPr lang="en-US" sz="1100" dirty="0"/>
                     </a:p>
                   </a:txBody>
                   <a:tcPr marL="95250" marR="95250" marT="95250" marB="95250" anchor="ctr">
@@ -6892,7 +6543,7 @@
                         <a:defRPr/>
                       </a:pPr>
                       <a:r>
-                        <a:rPr lang="en-US" sz="1599">
+                        <a:rPr lang="en-US" sz="1599" dirty="0">
                           <a:solidFill>
                             <a:srgbClr val="000000"/>
                           </a:solidFill>
@@ -6903,7 +6554,7 @@
                         </a:rPr>
                         <a:t>Uses OCR, neural networks, and machine translation techniques for text extraction and multilingual translation (English-Tamil).</a:t>
                       </a:r>
-                      <a:endParaRPr lang="en-US" sz="1100"/>
+                      <a:endParaRPr lang="en-US" sz="1100" dirty="0"/>
                     </a:p>
                   </a:txBody>
                   <a:tcPr marL="95250" marR="95250" marT="95250" marB="95250" anchor="ctr">
@@ -6960,7 +6611,7 @@
                         <a:defRPr/>
                       </a:pPr>
                       <a:r>
-                        <a:rPr lang="en-US" sz="1599">
+                        <a:rPr lang="en-US" sz="1599" dirty="0">
                           <a:solidFill>
                             <a:srgbClr val="000000"/>
                           </a:solidFill>
@@ -6971,7 +6622,7 @@
                         </a:rPr>
                         <a:t>Requires high computational resources, struggles with handwritten and low quality scanned documents.</a:t>
                       </a:r>
-                      <a:endParaRPr lang="en-US" sz="1100"/>
+                      <a:endParaRPr lang="en-US" sz="1100" dirty="0"/>
                     </a:p>
                   </a:txBody>
                   <a:tcPr marL="95250" marR="95250" marT="95250" marB="95250" anchor="ctr">
@@ -7028,7 +6679,7 @@
                         <a:defRPr/>
                       </a:pPr>
                       <a:r>
-                        <a:rPr lang="en-US" sz="1599" u="sng">
+                        <a:rPr lang="en-US" sz="1599" u="sng" dirty="0">
                           <a:solidFill>
                             <a:srgbClr val="000000"/>
                           </a:solidFill>
@@ -7040,7 +6691,7 @@
                         </a:rPr>
                         <a:t>https://ieeexplore.ieee.org/document/10626260</a:t>
                       </a:r>
-                      <a:endParaRPr lang="en-US" sz="1100"/>
+                      <a:endParaRPr lang="en-US" sz="1100" dirty="0"/>
                     </a:p>
                   </a:txBody>
                   <a:tcPr marL="95250" marR="95250" marT="95250" marB="95250" anchor="ctr">
@@ -7376,7 +7027,7 @@
                         <a:defRPr/>
                       </a:pPr>
                       <a:r>
-                        <a:rPr lang="en-US" sz="1599" u="sng">
+                        <a:rPr lang="en-US" sz="1599" u="sng" dirty="0">
                           <a:solidFill>
                             <a:srgbClr val="000000"/>
                           </a:solidFill>
@@ -7388,7 +7039,7 @@
                         </a:rPr>
                         <a:t>https://ieeexplore.ieee.org/document/10117106</a:t>
                       </a:r>
-                      <a:endParaRPr lang="en-US" sz="1100"/>
+                      <a:endParaRPr lang="en-US" sz="1100" dirty="0"/>
                     </a:p>
                   </a:txBody>
                   <a:tcPr marL="95250" marR="95250" marT="95250" marB="95250" anchor="ctr">
@@ -7724,7 +7375,7 @@
                         <a:defRPr/>
                       </a:pPr>
                       <a:r>
-                        <a:rPr lang="en-US" sz="1599" u="sng">
+                        <a:rPr lang="en-US" sz="1599" u="sng" dirty="0">
                           <a:solidFill>
                             <a:srgbClr val="000000"/>
                           </a:solidFill>
@@ -7736,7 +7387,7 @@
                         </a:rPr>
                         <a:t>https://ieeexplore.ieee.org/document/10325722</a:t>
                       </a:r>
-                      <a:endParaRPr lang="en-US" sz="1100"/>
+                      <a:endParaRPr lang="en-US" sz="1100" dirty="0"/>
                     </a:p>
                   </a:txBody>
                   <a:tcPr marL="95250" marR="95250" marT="95250" marB="95250" anchor="ctr">
